--- a/mockUps.pptx
+++ b/mockUps.pptx
@@ -106,7 +106,57 @@
       </a:defRPr>
     </a:lvl9pPr>
   </p:defaultTextStyle>
+  <p:extLst>
+    <p:ext uri="{EFAFB233-063F-42B5-8137-9DF3F51BA10A}">
+      <p15:sldGuideLst xmlns:p15="http://schemas.microsoft.com/office/powerpoint/2012/main"/>
+    </p:ext>
+  </p:extLst>
 </p:presentation>
+</file>
+
+<file path=ppt/revisionInfo.xml><?xml version="1.0" encoding="utf-8"?>
+<p1510:revInfo xmlns:a="http://schemas.openxmlformats.org/drawingml/2006/main" xmlns:r="http://schemas.openxmlformats.org/officeDocument/2006/relationships" xmlns:p1510="http://schemas.microsoft.com/office/powerpoint/2015/10/main">
+  <p1510:revLst>
+    <p1510:client id="{1DA44603-F0F1-4CE7-A2D2-BF4A08CD2ABD}" v="1" dt="2023-11-07T16:51:03.809"/>
+  </p1510:revLst>
+</p1510:revInfo>
+</file>
+
+<file path=ppt/changesInfos/changesInfo1.xml><?xml version="1.0" encoding="utf-8"?>
+<pc:chgInfo xmlns:a="http://schemas.openxmlformats.org/drawingml/2006/main" xmlns:r="http://schemas.openxmlformats.org/officeDocument/2006/relationships" xmlns:ac="http://schemas.microsoft.com/office/drawing/2013/main/command" xmlns:pc="http://schemas.microsoft.com/office/powerpoint/2013/main/command">
+  <pc:docChgLst>
+    <pc:chgData name="Sofi Fernández" userId="5dcd86d9bf03d87f" providerId="LiveId" clId="{1DA44603-F0F1-4CE7-A2D2-BF4A08CD2ABD}"/>
+    <pc:docChg chg="custSel modSld">
+      <pc:chgData name="Sofi Fernández" userId="5dcd86d9bf03d87f" providerId="LiveId" clId="{1DA44603-F0F1-4CE7-A2D2-BF4A08CD2ABD}" dt="2023-11-07T16:51:23.018" v="6" actId="1076"/>
+      <pc:docMkLst>
+        <pc:docMk/>
+      </pc:docMkLst>
+      <pc:sldChg chg="addSp delSp modSp mod">
+        <pc:chgData name="Sofi Fernández" userId="5dcd86d9bf03d87f" providerId="LiveId" clId="{1DA44603-F0F1-4CE7-A2D2-BF4A08CD2ABD}" dt="2023-11-07T16:51:23.018" v="6" actId="1076"/>
+        <pc:sldMkLst>
+          <pc:docMk/>
+          <pc:sldMk cId="2796425738" sldId="256"/>
+        </pc:sldMkLst>
+        <pc:picChg chg="add mod ord">
+          <ac:chgData name="Sofi Fernández" userId="5dcd86d9bf03d87f" providerId="LiveId" clId="{1DA44603-F0F1-4CE7-A2D2-BF4A08CD2ABD}" dt="2023-11-07T16:51:23.018" v="6" actId="1076"/>
+          <ac:picMkLst>
+            <pc:docMk/>
+            <pc:sldMk cId="2796425738" sldId="256"/>
+            <ac:picMk id="2" creationId="{BA878E1B-4A7C-E4BE-21FB-4ACEF74D7C2A}"/>
+          </ac:picMkLst>
+        </pc:picChg>
+        <pc:picChg chg="del">
+          <ac:chgData name="Sofi Fernández" userId="5dcd86d9bf03d87f" providerId="LiveId" clId="{1DA44603-F0F1-4CE7-A2D2-BF4A08CD2ABD}" dt="2023-11-07T16:51:14.836" v="4" actId="478"/>
+          <ac:picMkLst>
+            <pc:docMk/>
+            <pc:sldMk cId="2796425738" sldId="256"/>
+            <ac:picMk id="5" creationId="{B7D5195C-69A7-CAA3-EBB6-206FB8423887}"/>
+          </ac:picMkLst>
+        </pc:picChg>
+      </pc:sldChg>
+    </pc:docChg>
+  </pc:docChgLst>
+</pc:chgInfo>
 </file>
 
 <file path=ppt/slideLayouts/slideLayout1.xml><?xml version="1.0" encoding="utf-8"?>
@@ -2970,10 +3020,10 @@
       </p:grpSpPr>
       <p:pic>
         <p:nvPicPr>
-          <p:cNvPr id="4" name="Imagen 3">
+          <p:cNvPr id="2" name="Imagen 1">
             <a:extLst>
               <a:ext uri="{FF2B5EF4-FFF2-40B4-BE49-F238E27FC236}">
-                <a16:creationId xmlns:a16="http://schemas.microsoft.com/office/drawing/2014/main" id="{8BBCBE1A-7126-86F8-DBB9-088FC0F997DB}"/>
+                <a16:creationId xmlns:a16="http://schemas.microsoft.com/office/drawing/2014/main" id="{BA878E1B-4A7C-E4BE-21FB-4ACEF74D7C2A}"/>
               </a:ext>
             </a:extLst>
           </p:cNvPr>
@@ -2990,8 +3040,8 @@
         </p:blipFill>
         <p:spPr>
           <a:xfrm>
-            <a:off x="3864510" y="566750"/>
-            <a:ext cx="2311502" cy="3392928"/>
+            <a:off x="783233" y="4468157"/>
+            <a:ext cx="2304070" cy="3392928"/>
           </a:xfrm>
           <a:prstGeom prst="rect">
             <a:avLst/>
@@ -3000,10 +3050,10 @@
       </p:pic>
       <p:pic>
         <p:nvPicPr>
-          <p:cNvPr id="5" name="Imagen 4">
+          <p:cNvPr id="4" name="Imagen 3">
             <a:extLst>
               <a:ext uri="{FF2B5EF4-FFF2-40B4-BE49-F238E27FC236}">
-                <a16:creationId xmlns:a16="http://schemas.microsoft.com/office/drawing/2014/main" id="{B7D5195C-69A7-CAA3-EBB6-206FB8423887}"/>
+                <a16:creationId xmlns:a16="http://schemas.microsoft.com/office/drawing/2014/main" id="{8BBCBE1A-7126-86F8-DBB9-088FC0F997DB}"/>
               </a:ext>
             </a:extLst>
           </p:cNvPr>
@@ -3020,8 +3070,8 @@
         </p:blipFill>
         <p:spPr>
           <a:xfrm>
-            <a:off x="820932" y="4435665"/>
-            <a:ext cx="2326367" cy="3425762"/>
+            <a:off x="3864510" y="566750"/>
+            <a:ext cx="2311502" cy="3392928"/>
           </a:xfrm>
           <a:prstGeom prst="rect">
             <a:avLst/>

--- a/mockUps.pptx
+++ b/mockUps.pptx
@@ -117,7 +117,7 @@
 <file path=ppt/revisionInfo.xml><?xml version="1.0" encoding="utf-8"?>
 <p1510:revInfo xmlns:a="http://schemas.openxmlformats.org/drawingml/2006/main" xmlns:r="http://schemas.openxmlformats.org/officeDocument/2006/relationships" xmlns:p1510="http://schemas.microsoft.com/office/powerpoint/2015/10/main">
   <p1510:revLst>
-    <p1510:client id="{1DA44603-F0F1-4CE7-A2D2-BF4A08CD2ABD}" v="1" dt="2023-11-07T16:51:03.809"/>
+    <p1510:client id="{1DA44603-F0F1-4CE7-A2D2-BF4A08CD2ABD}" v="4" dt="2023-11-12T01:26:48.466"/>
   </p1510:revLst>
 </p1510:revInfo>
 </file>
@@ -127,7 +127,7 @@
   <pc:docChgLst>
     <pc:chgData name="Sofi Fernández" userId="5dcd86d9bf03d87f" providerId="LiveId" clId="{1DA44603-F0F1-4CE7-A2D2-BF4A08CD2ABD}"/>
     <pc:docChg chg="custSel modSld">
-      <pc:chgData name="Sofi Fernández" userId="5dcd86d9bf03d87f" providerId="LiveId" clId="{1DA44603-F0F1-4CE7-A2D2-BF4A08CD2ABD}" dt="2023-11-07T16:51:23.018" v="6" actId="1076"/>
+      <pc:chgData name="Sofi Fernández" userId="5dcd86d9bf03d87f" providerId="LiveId" clId="{1DA44603-F0F1-4CE7-A2D2-BF4A08CD2ABD}" dt="2023-11-12T01:27:04.113" v="23" actId="478"/>
       <pc:docMkLst>
         <pc:docMk/>
       </pc:docMkLst>
@@ -154,6 +154,68 @@
           </ac:picMkLst>
         </pc:picChg>
       </pc:sldChg>
+      <pc:sldChg chg="addSp delSp modSp mod">
+        <pc:chgData name="Sofi Fernández" userId="5dcd86d9bf03d87f" providerId="LiveId" clId="{1DA44603-F0F1-4CE7-A2D2-BF4A08CD2ABD}" dt="2023-11-12T01:27:04.113" v="23" actId="478"/>
+        <pc:sldMkLst>
+          <pc:docMk/>
+          <pc:sldMk cId="337484982" sldId="257"/>
+        </pc:sldMkLst>
+        <pc:picChg chg="add mod ord">
+          <ac:chgData name="Sofi Fernández" userId="5dcd86d9bf03d87f" providerId="LiveId" clId="{1DA44603-F0F1-4CE7-A2D2-BF4A08CD2ABD}" dt="2023-11-12T01:27:01.039" v="22" actId="167"/>
+          <ac:picMkLst>
+            <pc:docMk/>
+            <pc:sldMk cId="337484982" sldId="257"/>
+            <ac:picMk id="2" creationId="{E98B8B95-2F43-08A2-FDF9-29C1633AD41A}"/>
+          </ac:picMkLst>
+        </pc:picChg>
+        <pc:picChg chg="del">
+          <ac:chgData name="Sofi Fernández" userId="5dcd86d9bf03d87f" providerId="LiveId" clId="{1DA44603-F0F1-4CE7-A2D2-BF4A08CD2ABD}" dt="2023-11-12T01:27:04.113" v="23" actId="478"/>
+          <ac:picMkLst>
+            <pc:docMk/>
+            <pc:sldMk cId="337484982" sldId="257"/>
+            <ac:picMk id="6" creationId="{333C48F6-328E-64C2-B653-37265E12451D}"/>
+          </ac:picMkLst>
+        </pc:picChg>
+      </pc:sldChg>
+      <pc:sldChg chg="addSp delSp modSp mod">
+        <pc:chgData name="Sofi Fernández" userId="5dcd86d9bf03d87f" providerId="LiveId" clId="{1DA44603-F0F1-4CE7-A2D2-BF4A08CD2ABD}" dt="2023-11-12T01:24:25.821" v="18" actId="478"/>
+        <pc:sldMkLst>
+          <pc:docMk/>
+          <pc:sldMk cId="2899385921" sldId="258"/>
+        </pc:sldMkLst>
+        <pc:picChg chg="add mod ord">
+          <ac:chgData name="Sofi Fernández" userId="5dcd86d9bf03d87f" providerId="LiveId" clId="{1DA44603-F0F1-4CE7-A2D2-BF4A08CD2ABD}" dt="2023-11-12T01:23:43.013" v="12" actId="167"/>
+          <ac:picMkLst>
+            <pc:docMk/>
+            <pc:sldMk cId="2899385921" sldId="258"/>
+            <ac:picMk id="2" creationId="{270B2E11-CDD3-3F4C-B4B5-B830185072E1}"/>
+          </ac:picMkLst>
+        </pc:picChg>
+        <pc:picChg chg="add mod ord">
+          <ac:chgData name="Sofi Fernández" userId="5dcd86d9bf03d87f" providerId="LiveId" clId="{1DA44603-F0F1-4CE7-A2D2-BF4A08CD2ABD}" dt="2023-11-12T01:24:23.506" v="17" actId="167"/>
+          <ac:picMkLst>
+            <pc:docMk/>
+            <pc:sldMk cId="2899385921" sldId="258"/>
+            <ac:picMk id="3" creationId="{B4CFF9B8-C554-8940-14D5-A70B5A9E7383}"/>
+          </ac:picMkLst>
+        </pc:picChg>
+        <pc:picChg chg="del">
+          <ac:chgData name="Sofi Fernández" userId="5dcd86d9bf03d87f" providerId="LiveId" clId="{1DA44603-F0F1-4CE7-A2D2-BF4A08CD2ABD}" dt="2023-11-12T01:23:45.122" v="13" actId="478"/>
+          <ac:picMkLst>
+            <pc:docMk/>
+            <pc:sldMk cId="2899385921" sldId="258"/>
+            <ac:picMk id="7" creationId="{D4E1D50E-7344-647D-0CC1-1EB506BA5200}"/>
+          </ac:picMkLst>
+        </pc:picChg>
+        <pc:picChg chg="del">
+          <ac:chgData name="Sofi Fernández" userId="5dcd86d9bf03d87f" providerId="LiveId" clId="{1DA44603-F0F1-4CE7-A2D2-BF4A08CD2ABD}" dt="2023-11-12T01:24:25.821" v="18" actId="478"/>
+          <ac:picMkLst>
+            <pc:docMk/>
+            <pc:sldMk cId="2899385921" sldId="258"/>
+            <ac:picMk id="8" creationId="{C2C7468D-4E10-6E4F-E1A2-A534A663DC0F}"/>
+          </ac:picMkLst>
+        </pc:picChg>
+      </pc:sldChg>
     </pc:docChg>
   </pc:docChgLst>
 </pc:chgInfo>
@@ -290,7 +352,7 @@
           <a:p>
             <a:fld id="{7F0465F3-2298-4410-904E-E33BDCC74A9A}" type="datetimeFigureOut">
               <a:rPr lang="es-UY" smtClean="0"/>
-              <a:t>7 Nov. 2023</a:t>
+              <a:t>11 Nov. 2023</a:t>
             </a:fld>
             <a:endParaRPr lang="es-UY"/>
           </a:p>
@@ -460,7 +522,7 @@
           <a:p>
             <a:fld id="{7F0465F3-2298-4410-904E-E33BDCC74A9A}" type="datetimeFigureOut">
               <a:rPr lang="es-UY" smtClean="0"/>
-              <a:t>7 Nov. 2023</a:t>
+              <a:t>11 Nov. 2023</a:t>
             </a:fld>
             <a:endParaRPr lang="es-UY"/>
           </a:p>
@@ -640,7 +702,7 @@
           <a:p>
             <a:fld id="{7F0465F3-2298-4410-904E-E33BDCC74A9A}" type="datetimeFigureOut">
               <a:rPr lang="es-UY" smtClean="0"/>
-              <a:t>7 Nov. 2023</a:t>
+              <a:t>11 Nov. 2023</a:t>
             </a:fld>
             <a:endParaRPr lang="es-UY"/>
           </a:p>
@@ -810,7 +872,7 @@
           <a:p>
             <a:fld id="{7F0465F3-2298-4410-904E-E33BDCC74A9A}" type="datetimeFigureOut">
               <a:rPr lang="es-UY" smtClean="0"/>
-              <a:t>7 Nov. 2023</a:t>
+              <a:t>11 Nov. 2023</a:t>
             </a:fld>
             <a:endParaRPr lang="es-UY"/>
           </a:p>
@@ -1054,7 +1116,7 @@
           <a:p>
             <a:fld id="{7F0465F3-2298-4410-904E-E33BDCC74A9A}" type="datetimeFigureOut">
               <a:rPr lang="es-UY" smtClean="0"/>
-              <a:t>7 Nov. 2023</a:t>
+              <a:t>11 Nov. 2023</a:t>
             </a:fld>
             <a:endParaRPr lang="es-UY"/>
           </a:p>
@@ -1286,7 +1348,7 @@
           <a:p>
             <a:fld id="{7F0465F3-2298-4410-904E-E33BDCC74A9A}" type="datetimeFigureOut">
               <a:rPr lang="es-UY" smtClean="0"/>
-              <a:t>7 Nov. 2023</a:t>
+              <a:t>11 Nov. 2023</a:t>
             </a:fld>
             <a:endParaRPr lang="es-UY"/>
           </a:p>
@@ -1653,7 +1715,7 @@
           <a:p>
             <a:fld id="{7F0465F3-2298-4410-904E-E33BDCC74A9A}" type="datetimeFigureOut">
               <a:rPr lang="es-UY" smtClean="0"/>
-              <a:t>7 Nov. 2023</a:t>
+              <a:t>11 Nov. 2023</a:t>
             </a:fld>
             <a:endParaRPr lang="es-UY"/>
           </a:p>
@@ -1771,7 +1833,7 @@
           <a:p>
             <a:fld id="{7F0465F3-2298-4410-904E-E33BDCC74A9A}" type="datetimeFigureOut">
               <a:rPr lang="es-UY" smtClean="0"/>
-              <a:t>7 Nov. 2023</a:t>
+              <a:t>11 Nov. 2023</a:t>
             </a:fld>
             <a:endParaRPr lang="es-UY"/>
           </a:p>
@@ -1866,7 +1928,7 @@
           <a:p>
             <a:fld id="{7F0465F3-2298-4410-904E-E33BDCC74A9A}" type="datetimeFigureOut">
               <a:rPr lang="es-UY" smtClean="0"/>
-              <a:t>7 Nov. 2023</a:t>
+              <a:t>11 Nov. 2023</a:t>
             </a:fld>
             <a:endParaRPr lang="es-UY"/>
           </a:p>
@@ -2143,7 +2205,7 @@
           <a:p>
             <a:fld id="{7F0465F3-2298-4410-904E-E33BDCC74A9A}" type="datetimeFigureOut">
               <a:rPr lang="es-UY" smtClean="0"/>
-              <a:t>7 Nov. 2023</a:t>
+              <a:t>11 Nov. 2023</a:t>
             </a:fld>
             <a:endParaRPr lang="es-UY"/>
           </a:p>
@@ -2400,7 +2462,7 @@
           <a:p>
             <a:fld id="{7F0465F3-2298-4410-904E-E33BDCC74A9A}" type="datetimeFigureOut">
               <a:rPr lang="es-UY" smtClean="0"/>
-              <a:t>7 Nov. 2023</a:t>
+              <a:t>11 Nov. 2023</a:t>
             </a:fld>
             <a:endParaRPr lang="es-UY"/>
           </a:p>
@@ -2613,7 +2675,7 @@
           <a:p>
             <a:fld id="{7F0465F3-2298-4410-904E-E33BDCC74A9A}" type="datetimeFigureOut">
               <a:rPr lang="es-UY" smtClean="0"/>
-              <a:t>7 Nov. 2023</a:t>
+              <a:t>11 Nov. 2023</a:t>
             </a:fld>
             <a:endParaRPr lang="es-UY"/>
           </a:p>
@@ -3326,10 +3388,10 @@
       </p:grpSpPr>
       <p:pic>
         <p:nvPicPr>
-          <p:cNvPr id="13" name="Imagen 12">
+          <p:cNvPr id="3" name="Imagen 2">
             <a:extLst>
               <a:ext uri="{FF2B5EF4-FFF2-40B4-BE49-F238E27FC236}">
-                <a16:creationId xmlns:a16="http://schemas.microsoft.com/office/drawing/2014/main" id="{E782FE60-E18E-758F-6D78-E2C2333CCF03}"/>
+                <a16:creationId xmlns:a16="http://schemas.microsoft.com/office/drawing/2014/main" id="{B4CFF9B8-C554-8940-14D5-A70B5A9E7383}"/>
               </a:ext>
             </a:extLst>
           </p:cNvPr>
@@ -3346,8 +3408,8 @@
         </p:blipFill>
         <p:spPr>
           <a:xfrm>
-            <a:off x="648116" y="786086"/>
-            <a:ext cx="2374801" cy="3463567"/>
+            <a:off x="3657601" y="4895600"/>
+            <a:ext cx="2318654" cy="3408907"/>
           </a:xfrm>
           <a:prstGeom prst="rect">
             <a:avLst/>
@@ -3356,10 +3418,10 @@
       </p:pic>
       <p:pic>
         <p:nvPicPr>
-          <p:cNvPr id="5" name="Imagen 4">
+          <p:cNvPr id="2" name="Imagen 1">
             <a:extLst>
               <a:ext uri="{FF2B5EF4-FFF2-40B4-BE49-F238E27FC236}">
-                <a16:creationId xmlns:a16="http://schemas.microsoft.com/office/drawing/2014/main" id="{3D6A4851-6912-EF4D-171A-C2FCADF4CDC2}"/>
+                <a16:creationId xmlns:a16="http://schemas.microsoft.com/office/drawing/2014/main" id="{270B2E11-CDD3-3F4C-B4B5-B830185072E1}"/>
               </a:ext>
             </a:extLst>
           </p:cNvPr>
@@ -3376,8 +3438,8 @@
         </p:blipFill>
         <p:spPr>
           <a:xfrm>
-            <a:off x="3649888" y="914400"/>
-            <a:ext cx="2326367" cy="3420246"/>
+            <a:off x="585846" y="4895600"/>
+            <a:ext cx="2322621" cy="3420246"/>
           </a:xfrm>
           <a:prstGeom prst="rect">
             <a:avLst/>
@@ -3386,10 +3448,10 @@
       </p:pic>
       <p:pic>
         <p:nvPicPr>
-          <p:cNvPr id="7" name="Imagen 6">
+          <p:cNvPr id="13" name="Imagen 12">
             <a:extLst>
               <a:ext uri="{FF2B5EF4-FFF2-40B4-BE49-F238E27FC236}">
-                <a16:creationId xmlns:a16="http://schemas.microsoft.com/office/drawing/2014/main" id="{D4E1D50E-7344-647D-0CC1-1EB506BA5200}"/>
+                <a16:creationId xmlns:a16="http://schemas.microsoft.com/office/drawing/2014/main" id="{E782FE60-E18E-758F-6D78-E2C2333CCF03}"/>
               </a:ext>
             </a:extLst>
           </p:cNvPr>
@@ -3406,8 +3468,8 @@
         </p:blipFill>
         <p:spPr>
           <a:xfrm>
-            <a:off x="585846" y="4892842"/>
-            <a:ext cx="2326367" cy="3425762"/>
+            <a:off x="648116" y="786086"/>
+            <a:ext cx="2374801" cy="3463567"/>
           </a:xfrm>
           <a:prstGeom prst="rect">
             <a:avLst/>
@@ -3416,10 +3478,10 @@
       </p:pic>
       <p:pic>
         <p:nvPicPr>
-          <p:cNvPr id="8" name="Imagen 7">
+          <p:cNvPr id="5" name="Imagen 4">
             <a:extLst>
               <a:ext uri="{FF2B5EF4-FFF2-40B4-BE49-F238E27FC236}">
-                <a16:creationId xmlns:a16="http://schemas.microsoft.com/office/drawing/2014/main" id="{C2C7468D-4E10-6E4F-E1A2-A534A663DC0F}"/>
+                <a16:creationId xmlns:a16="http://schemas.microsoft.com/office/drawing/2014/main" id="{3D6A4851-6912-EF4D-171A-C2FCADF4CDC2}"/>
               </a:ext>
             </a:extLst>
           </p:cNvPr>
@@ -3436,7 +3498,7 @@
         </p:blipFill>
         <p:spPr>
           <a:xfrm>
-            <a:off x="3649888" y="4898358"/>
+            <a:off x="3649888" y="914400"/>
             <a:ext cx="2326367" cy="3420246"/>
           </a:xfrm>
           <a:prstGeom prst="rect">
@@ -3632,10 +3694,10 @@
       </p:grpSpPr>
       <p:pic>
         <p:nvPicPr>
-          <p:cNvPr id="4" name="Imagen 3">
+          <p:cNvPr id="2" name="Imagen 1">
             <a:extLst>
               <a:ext uri="{FF2B5EF4-FFF2-40B4-BE49-F238E27FC236}">
-                <a16:creationId xmlns:a16="http://schemas.microsoft.com/office/drawing/2014/main" id="{71451BD6-A2FF-1C7A-2CCB-0869706D367E}"/>
+                <a16:creationId xmlns:a16="http://schemas.microsoft.com/office/drawing/2014/main" id="{E98B8B95-2F43-08A2-FDF9-29C1633AD41A}"/>
               </a:ext>
             </a:extLst>
           </p:cNvPr>
@@ -3652,8 +3714,8 @@
         </p:blipFill>
         <p:spPr>
           <a:xfrm>
-            <a:off x="468113" y="545431"/>
-            <a:ext cx="2583395" cy="3785938"/>
+            <a:off x="461547" y="4893321"/>
+            <a:ext cx="2583395" cy="3804257"/>
           </a:xfrm>
           <a:prstGeom prst="rect">
             <a:avLst/>
@@ -3662,10 +3724,10 @@
       </p:pic>
       <p:pic>
         <p:nvPicPr>
-          <p:cNvPr id="5" name="Imagen 4">
+          <p:cNvPr id="4" name="Imagen 3">
             <a:extLst>
               <a:ext uri="{FF2B5EF4-FFF2-40B4-BE49-F238E27FC236}">
-                <a16:creationId xmlns:a16="http://schemas.microsoft.com/office/drawing/2014/main" id="{C544B22E-21A0-FBB7-6A50-0E16F1F30DE1}"/>
+                <a16:creationId xmlns:a16="http://schemas.microsoft.com/office/drawing/2014/main" id="{71451BD6-A2FF-1C7A-2CCB-0869706D367E}"/>
               </a:ext>
             </a:extLst>
           </p:cNvPr>
@@ -3682,8 +3744,8 @@
         </p:blipFill>
         <p:spPr>
           <a:xfrm>
-            <a:off x="3697694" y="529870"/>
-            <a:ext cx="2585686" cy="3801499"/>
+            <a:off x="468113" y="545431"/>
+            <a:ext cx="2583395" cy="3785938"/>
           </a:xfrm>
           <a:prstGeom prst="rect">
             <a:avLst/>
@@ -3692,10 +3754,10 @@
       </p:pic>
       <p:pic>
         <p:nvPicPr>
-          <p:cNvPr id="6" name="Imagen 5">
+          <p:cNvPr id="5" name="Imagen 4">
             <a:extLst>
               <a:ext uri="{FF2B5EF4-FFF2-40B4-BE49-F238E27FC236}">
-                <a16:creationId xmlns:a16="http://schemas.microsoft.com/office/drawing/2014/main" id="{333C48F6-328E-64C2-B653-37265E12451D}"/>
+                <a16:creationId xmlns:a16="http://schemas.microsoft.com/office/drawing/2014/main" id="{C544B22E-21A0-FBB7-6A50-0E16F1F30DE1}"/>
               </a:ext>
             </a:extLst>
           </p:cNvPr>
@@ -3712,8 +3774,8 @@
         </p:blipFill>
         <p:spPr>
           <a:xfrm>
-            <a:off x="468112" y="4893321"/>
-            <a:ext cx="2583395" cy="3804257"/>
+            <a:off x="3697694" y="529870"/>
+            <a:ext cx="2585686" cy="3801499"/>
           </a:xfrm>
           <a:prstGeom prst="rect">
             <a:avLst/>
